--- a/ClassMaterials/PairProgrammingAndSourceControl/Part3-CodeReviewAndTestingGuidelines.pptx
+++ b/ClassMaterials/PairProgrammingAndSourceControl/Part3-CodeReviewAndTestingGuidelines.pptx
@@ -5,20 +5,21 @@
     <p:sldMasterId id="2147483660" r:id="rId1"/>
   </p:sldMasterIdLst>
   <p:notesMasterIdLst>
-    <p:notesMasterId r:id="rId13"/>
+    <p:notesMasterId r:id="rId14"/>
   </p:notesMasterIdLst>
   <p:sldIdLst>
     <p:sldId id="346" r:id="rId2"/>
     <p:sldId id="323" r:id="rId3"/>
     <p:sldId id="324" r:id="rId4"/>
-    <p:sldId id="322" r:id="rId5"/>
-    <p:sldId id="305" r:id="rId6"/>
-    <p:sldId id="347" r:id="rId7"/>
-    <p:sldId id="295" r:id="rId8"/>
-    <p:sldId id="296" r:id="rId9"/>
-    <p:sldId id="348" r:id="rId10"/>
-    <p:sldId id="349" r:id="rId11"/>
-    <p:sldId id="350" r:id="rId12"/>
+    <p:sldId id="351" r:id="rId5"/>
+    <p:sldId id="322" r:id="rId6"/>
+    <p:sldId id="305" r:id="rId7"/>
+    <p:sldId id="347" r:id="rId8"/>
+    <p:sldId id="295" r:id="rId9"/>
+    <p:sldId id="296" r:id="rId10"/>
+    <p:sldId id="348" r:id="rId11"/>
+    <p:sldId id="349" r:id="rId12"/>
+    <p:sldId id="350" r:id="rId13"/>
   </p:sldIdLst>
   <p:sldSz cx="12192000" cy="6858000"/>
   <p:notesSz cx="6858000" cy="9144000"/>
@@ -125,6 +126,7 @@
             <p14:sldId id="346"/>
             <p14:sldId id="323"/>
             <p14:sldId id="324"/>
+            <p14:sldId id="351"/>
             <p14:sldId id="322"/>
             <p14:sldId id="305"/>
             <p14:sldId id="347"/>
@@ -349,6 +351,90 @@
 </inkml:ink>
 </file>
 
+<file path=ppt/ink/ink5.xml><?xml version="1.0" encoding="utf-8"?>
+<inkml:ink xmlns:inkml="http://www.w3.org/2003/InkML">
+  <inkml:definitions>
+    <inkml:context xml:id="ctx0">
+      <inkml:inkSource xml:id="inkSrc0">
+        <inkml:traceFormat>
+          <inkml:channel name="X" type="integer" min="-2.14748E9" max="2.14748E9" units="cm"/>
+          <inkml:channel name="Y" type="integer" min="-2.14748E9" max="2.14748E9" units="cm"/>
+          <inkml:channel name="F" type="integer" max="32767" units="dev"/>
+        </inkml:traceFormat>
+        <inkml:channelProperties>
+          <inkml:channelProperty channel="X" name="resolution" value="1000" units="1/cm"/>
+          <inkml:channelProperty channel="Y" name="resolution" value="1000" units="1/cm"/>
+          <inkml:channelProperty channel="F" name="resolution" value="0" units="1/dev"/>
+        </inkml:channelProperties>
+      </inkml:inkSource>
+      <inkml:timestamp xml:id="ts0" timeString="2025-05-06T03:01:03.946"/>
+    </inkml:context>
+    <inkml:brush xml:id="br0">
+      <inkml:brushProperty name="width" value="0.1" units="cm"/>
+      <inkml:brushProperty name="height" value="0.1" units="cm"/>
+      <inkml:brushProperty name="color" value="#E71224"/>
+    </inkml:brush>
+  </inkml:definitions>
+  <inkml:trace contextRef="#ctx0" brushRef="#br0">1 156 24575,'53'-25'0,"2"3"0,0 2 0,1 2 0,1 3 0,1 2 0,77-7 0,73 1 0,394 15 0,207 98 0,-366 1 0,-333-65 0,205 89 0,-256-89 0,-3 3 0,62 47 0,12 7 0,-107-71 0,0 0 0,-1 2 0,-1 0 0,0 2 0,-2 0 0,0 1 0,-1 1 0,-2 0 0,0 2 0,22 44 0,-7-3 0,-3 3 0,26 88 0,23 150 0,-36-136 0,-4-10 0,15 55 0,-50-204 0,1 0 0,-2 1 0,0-1 0,0 0 0,-1 1 0,0-1 0,-1 1 0,-3 16 0,-5 11 0,-14 41 0,7-26 0,-9 51 0,-14 151 0,7-33 0,23-170 0,-9 47 0,-3 0 0,-38 107 0,29-114 0,-28 150 0,58-242 0,0 0 0,0 0 0,0 0 0,0 0 0,0 0 0,-1 0 0,1-1 0,0 1 0,-1 0 0,1 0 0,0 0 0,-1 0 0,1-1 0,-1 1 0,0 0 0,1 0 0,-1-1 0,0 1 0,1-1 0,-1 1 0,0 0 0,1-1 0,-1 1 0,0-1 0,0 0 0,0 1 0,-1 0 0,0-1 0,0 0 0,1-1 0,-1 1 0,0 0 0,1-1 0,-1 1 0,0-1 0,1 1 0,-1-1 0,1 0 0,-1 1 0,1-1 0,-4-2 0,-4-5 0,0 1 0,1-1 0,-12-14 0,-2-6 0,1-1 0,2-2 0,0 1 0,3-2 0,0 0 0,-10-36 0,3 0 0,3-1 0,-10-75 0,28 136 0,0 1 0,0-1 0,0 1 0,-5-10 0,7 16 0,0 0 0,-1 0 0,1 0 0,0 0 0,-1 0 0,1 0 0,-1 0 0,0 0 0,1 1 0,-1-1 0,0 0 0,1 0 0,-1 0 0,0 1 0,0-1 0,0 0 0,0 1 0,0-1 0,0 1 0,0-1 0,0 1 0,0-1 0,0 1 0,0 0 0,0-1 0,0 1 0,0 0 0,0 0 0,0 0 0,0 0 0,0 0 0,0 0 0,-1 0 0,1 0 0,0 0 0,0 1 0,0-1 0,-2 1 0,2 0 0,-1 0 0,1 0 0,0 0 0,0 1 0,0-1 0,0 0 0,0 1 0,0-1 0,0 1 0,0-1 0,0 1 0,0-1 0,1 1 0,-1-1 0,1 1 0,-1 0 0,1-1 0,0 1 0,-1 3 0,1 37 0,0-33 0,2 14 0,1-1 0,0 0 0,2 0 0,0 0 0,11 26 0,50 100 0,-33-82 0,-31-61 0,1-1 0,0 1 0,0-1 0,0 0 0,0 0 0,1 0 0,0 0 0,-1-1 0,2 0 0,-1 1 0,0-1 0,1-1 0,-1 1 0,1-1 0,0 0 0,-1 0 0,1 0 0,0 0 0,0-1 0,1 0 0,6 1 0,11 0 0,1-1 0,0-1 0,35-4 0,-33 2 0,117-14 0,-1-6 0,147-43 0,-128 14 63,-105 31-777,113-24 0,-141 40-6112</inkml:trace>
+</inkml:ink>
+</file>
+
+<file path=ppt/ink/ink6.xml><?xml version="1.0" encoding="utf-8"?>
+<inkml:ink xmlns:inkml="http://www.w3.org/2003/InkML">
+  <inkml:definitions>
+    <inkml:context xml:id="ctx0">
+      <inkml:inkSource xml:id="inkSrc0">
+        <inkml:traceFormat>
+          <inkml:channel name="X" type="integer" min="-2.14748E9" max="2.14748E9" units="cm"/>
+          <inkml:channel name="Y" type="integer" min="-2.14748E9" max="2.14748E9" units="cm"/>
+          <inkml:channel name="F" type="integer" max="32767" units="dev"/>
+        </inkml:traceFormat>
+        <inkml:channelProperties>
+          <inkml:channelProperty channel="X" name="resolution" value="1000" units="1/cm"/>
+          <inkml:channelProperty channel="Y" name="resolution" value="1000" units="1/cm"/>
+          <inkml:channelProperty channel="F" name="resolution" value="0" units="1/dev"/>
+        </inkml:channelProperties>
+      </inkml:inkSource>
+      <inkml:timestamp xml:id="ts0" timeString="2025-05-06T12:06:58.785"/>
+    </inkml:context>
+    <inkml:brush xml:id="br0">
+      <inkml:brushProperty name="width" value="0.1" units="cm"/>
+      <inkml:brushProperty name="height" value="0.1" units="cm"/>
+      <inkml:brushProperty name="color" value="#E71224"/>
+    </inkml:brush>
+  </inkml:definitions>
+  <inkml:trace contextRef="#ctx0" brushRef="#br0">1 1 24575,'85'3'8,"0"4"-1,0 4 1,0 3-1,158 50 1,313 158-1066,-258-86 459,59 30-978,68 35 636,68 45-1273,1220 594-1628,-307-154 1442,1080 603 1137,-401-201 799,-1398-739 465,1691 847-11,-1877-948-27,1394 809 2262,-1232-631-2163,1026 628 2378,-57-151-1376,-1589-881-1036,1064 567 157,-48 81 10,-829-500 559,142 100 367,15-30 1208,-222-146-676,199 149 0,-193-116-1676,369 258-102,-422-312 125,4-5 0,136 54 0,-257-122 2,169 80 691,-145-67-671,-1 2 0,-1 1 0,0 0 0,32 32 0,55 52-20,173 121 0,-98-82-125,152 137-100,86 67-35,24-38 143,-127-134 115,-302-162 0,144 81 238,-3 6 1,185 149-1,-291-204-1603,-7-3-5461</inkml:trace>
+</inkml:ink>
+</file>
+
+<file path=ppt/ink/ink7.xml><?xml version="1.0" encoding="utf-8"?>
+<inkml:ink xmlns:inkml="http://www.w3.org/2003/InkML">
+  <inkml:definitions>
+    <inkml:context xml:id="ctx0">
+      <inkml:inkSource xml:id="inkSrc0">
+        <inkml:traceFormat>
+          <inkml:channel name="X" type="integer" min="-2.14748E9" max="2.14748E9" units="cm"/>
+          <inkml:channel name="Y" type="integer" min="-2.14748E9" max="2.14748E9" units="cm"/>
+          <inkml:channel name="F" type="integer" max="32767" units="dev"/>
+        </inkml:traceFormat>
+        <inkml:channelProperties>
+          <inkml:channelProperty channel="X" name="resolution" value="1000" units="1/cm"/>
+          <inkml:channelProperty channel="Y" name="resolution" value="1000" units="1/cm"/>
+          <inkml:channelProperty channel="F" name="resolution" value="0" units="1/dev"/>
+        </inkml:channelProperties>
+      </inkml:inkSource>
+      <inkml:timestamp xml:id="ts0" timeString="2025-05-06T12:07:00.649"/>
+    </inkml:context>
+    <inkml:brush xml:id="br0">
+      <inkml:brushProperty name="width" value="0.1" units="cm"/>
+      <inkml:brushProperty name="height" value="0.1" units="cm"/>
+      <inkml:brushProperty name="color" value="#E71224"/>
+    </inkml:brush>
+  </inkml:definitions>
+  <inkml:trace contextRef="#ctx0" brushRef="#br0">26187 0 24575,'0'0'0,"0"0"0,1 0 0,-1 0 0,0 1 0,0-1 0,1 0 0,-1 0 0,0 0 0,0 0 0,1 1 0,-1-1 0,0 0 0,0 0 0,1 0 0,-1 1 0,0-1 0,0 0 0,0 0 0,0 1 0,1-1 0,-1 0 0,0 1 0,0-1 0,0 0 0,0 0 0,0 1 0,0-1 0,0 0 0,0 1 0,0-1 0,0 0 0,0 1 0,0-1 0,0 0 0,0 1 0,0-1 0,0 0 0,0 0 0,0 1 0,0-1 0,0 0 0,-1 1 0,1-1 0,0 0 0,0 0 0,0 1 0,-1-1 0,1 0 0,0 0 0,0 1 0,0-1 0,-1 0 0,1 0 0,-16 22 0,-18 13 0,-68 53 0,93-80 0,-252 178-113,-16-22-779,202-121 564,-250 147-462,-77 40-1302,-87 45 1023,-90 63-1272,-83 67 622,-70 57-712,-1657 1030-867,-1541 1027 2512,2725-1654 1401,39 40-648,556-424-179,-741 581 2016,-18-21 1073,861-678-2728,-901 484 0,1067-669-149,-1162 591 0,945-497 77,-191 95 2071,544-262-2112,-818 434 334,-64-6 6960,984-488-7147,1 5 0,-104 69 0,165-95-183,-1-2 0,-50 19 0,-29 14 0,-146 96 0,30-16 0,-39 0 0,-66 34 0,-203 174 0,329-169 0,35-31-1365,152-118-5461</inkml:trace>
+</inkml:ink>
+</file>
+
 <file path=ppt/notesMasters/notesMaster1.xml><?xml version="1.0" encoding="utf-8"?>
 <p:notesMaster xmlns:a="http://schemas.openxmlformats.org/drawingml/2006/main" xmlns:r="http://schemas.openxmlformats.org/officeDocument/2006/relationships" xmlns:p="http://schemas.openxmlformats.org/presentationml/2006/main">
   <p:cSld>
@@ -431,7 +517,7 @@
           <a:p>
             <a:fld id="{28F7D565-3278-47FB-82CB-054B8DCFC962}" type="datetimeFigureOut">
               <a:rPr lang="en-US" smtClean="0"/>
-              <a:t>5/4/2025</a:t>
+              <a:t>5/5/2025</a:t>
             </a:fld>
             <a:endParaRPr lang="en-US"/>
           </a:p>
@@ -829,7 +915,7 @@
           <a:p>
             <a:fld id="{846CE7D5-CF57-46EF-B807-FDD0502418D4}" type="datetimeFigureOut">
               <a:rPr lang="en-US" smtClean="0"/>
-              <a:t>5/4/2025</a:t>
+              <a:t>5/5/2025</a:t>
             </a:fld>
             <a:endParaRPr lang="en-US"/>
           </a:p>
@@ -999,7 +1085,7 @@
           <a:p>
             <a:fld id="{846CE7D5-CF57-46EF-B807-FDD0502418D4}" type="datetimeFigureOut">
               <a:rPr lang="en-US" smtClean="0"/>
-              <a:t>5/4/2025</a:t>
+              <a:t>5/5/2025</a:t>
             </a:fld>
             <a:endParaRPr lang="en-US"/>
           </a:p>
@@ -1179,7 +1265,7 @@
           <a:p>
             <a:fld id="{846CE7D5-CF57-46EF-B807-FDD0502418D4}" type="datetimeFigureOut">
               <a:rPr lang="en-US" smtClean="0"/>
-              <a:t>5/4/2025</a:t>
+              <a:t>5/5/2025</a:t>
             </a:fld>
             <a:endParaRPr lang="en-US"/>
           </a:p>
@@ -1349,7 +1435,7 @@
           <a:p>
             <a:fld id="{846CE7D5-CF57-46EF-B807-FDD0502418D4}" type="datetimeFigureOut">
               <a:rPr lang="en-US" smtClean="0"/>
-              <a:t>5/4/2025</a:t>
+              <a:t>5/5/2025</a:t>
             </a:fld>
             <a:endParaRPr lang="en-US"/>
           </a:p>
@@ -1595,7 +1681,7 @@
           <a:p>
             <a:fld id="{846CE7D5-CF57-46EF-B807-FDD0502418D4}" type="datetimeFigureOut">
               <a:rPr lang="en-US" smtClean="0"/>
-              <a:t>5/4/2025</a:t>
+              <a:t>5/5/2025</a:t>
             </a:fld>
             <a:endParaRPr lang="en-US"/>
           </a:p>
@@ -1827,7 +1913,7 @@
           <a:p>
             <a:fld id="{846CE7D5-CF57-46EF-B807-FDD0502418D4}" type="datetimeFigureOut">
               <a:rPr lang="en-US" smtClean="0"/>
-              <a:t>5/4/2025</a:t>
+              <a:t>5/5/2025</a:t>
             </a:fld>
             <a:endParaRPr lang="en-US"/>
           </a:p>
@@ -2194,7 +2280,7 @@
           <a:p>
             <a:fld id="{846CE7D5-CF57-46EF-B807-FDD0502418D4}" type="datetimeFigureOut">
               <a:rPr lang="en-US" smtClean="0"/>
-              <a:t>5/4/2025</a:t>
+              <a:t>5/5/2025</a:t>
             </a:fld>
             <a:endParaRPr lang="en-US"/>
           </a:p>
@@ -2312,7 +2398,7 @@
           <a:p>
             <a:fld id="{846CE7D5-CF57-46EF-B807-FDD0502418D4}" type="datetimeFigureOut">
               <a:rPr lang="en-US" smtClean="0"/>
-              <a:t>5/4/2025</a:t>
+              <a:t>5/5/2025</a:t>
             </a:fld>
             <a:endParaRPr lang="en-US"/>
           </a:p>
@@ -2407,7 +2493,7 @@
           <a:p>
             <a:fld id="{846CE7D5-CF57-46EF-B807-FDD0502418D4}" type="datetimeFigureOut">
               <a:rPr lang="en-US" smtClean="0"/>
-              <a:t>5/4/2025</a:t>
+              <a:t>5/5/2025</a:t>
             </a:fld>
             <a:endParaRPr lang="en-US"/>
           </a:p>
@@ -2684,7 +2770,7 @@
           <a:p>
             <a:fld id="{846CE7D5-CF57-46EF-B807-FDD0502418D4}" type="datetimeFigureOut">
               <a:rPr lang="en-US" smtClean="0"/>
-              <a:t>5/4/2025</a:t>
+              <a:t>5/5/2025</a:t>
             </a:fld>
             <a:endParaRPr lang="en-US"/>
           </a:p>
@@ -2941,7 +3027,7 @@
           <a:p>
             <a:fld id="{846CE7D5-CF57-46EF-B807-FDD0502418D4}" type="datetimeFigureOut">
               <a:rPr lang="en-US" smtClean="0"/>
-              <a:t>5/4/2025</a:t>
+              <a:t>5/5/2025</a:t>
             </a:fld>
             <a:endParaRPr lang="en-US"/>
           </a:p>
@@ -3154,7 +3240,7 @@
           <a:p>
             <a:fld id="{846CE7D5-CF57-46EF-B807-FDD0502418D4}" type="datetimeFigureOut">
               <a:rPr lang="en-US" smtClean="0"/>
-              <a:t>5/4/2025</a:t>
+              <a:t>5/5/2025</a:t>
             </a:fld>
             <a:endParaRPr lang="en-US"/>
           </a:p>
@@ -3891,6 +3977,94 @@
           <p:cNvPr id="2" name="Title 1">
             <a:extLst>
               <a:ext uri="{FF2B5EF4-FFF2-40B4-BE49-F238E27FC236}">
+                <a16:creationId xmlns:a16="http://schemas.microsoft.com/office/drawing/2014/main" id="{6C8BADF2-4C67-A4E4-3D4B-BD1CCB4D26E7}"/>
+              </a:ext>
+            </a:extLst>
+          </p:cNvPr>
+          <p:cNvSpPr>
+            <a:spLocks noGrp="1"/>
+          </p:cNvSpPr>
+          <p:nvPr>
+            <p:ph type="title"/>
+          </p:nvPr>
+        </p:nvSpPr>
+        <p:spPr/>
+        <p:txBody>
+          <a:bodyPr/>
+          <a:lstStyle/>
+          <a:p>
+            <a:r>
+              <a:rPr lang="en-US" dirty="0"/>
+              <a:t>Tester (Teams of 4)</a:t>
+            </a:r>
+          </a:p>
+        </p:txBody>
+      </p:sp>
+      <p:pic>
+        <p:nvPicPr>
+          <p:cNvPr id="4" name="Picture 3">
+            <a:extLst>
+              <a:ext uri="{FF2B5EF4-FFF2-40B4-BE49-F238E27FC236}">
+                <a16:creationId xmlns:a16="http://schemas.microsoft.com/office/drawing/2014/main" id="{00DB0AAC-61A0-DEB1-3634-BB4BF58AA700}"/>
+              </a:ext>
+            </a:extLst>
+          </p:cNvPr>
+          <p:cNvPicPr>
+            <a:picLocks noChangeAspect="1"/>
+          </p:cNvPicPr>
+          <p:nvPr/>
+        </p:nvPicPr>
+        <p:blipFill>
+          <a:blip r:embed="rId2"/>
+          <a:stretch>
+            <a:fillRect/>
+          </a:stretch>
+        </p:blipFill>
+        <p:spPr>
+          <a:xfrm>
+            <a:off x="450573" y="1543144"/>
+            <a:ext cx="11472413" cy="3734534"/>
+          </a:xfrm>
+          <a:prstGeom prst="rect">
+            <a:avLst/>
+          </a:prstGeom>
+        </p:spPr>
+      </p:pic>
+    </p:spTree>
+    <p:extLst>
+      <p:ext uri="{BB962C8B-B14F-4D97-AF65-F5344CB8AC3E}">
+        <p14:creationId xmlns:p14="http://schemas.microsoft.com/office/powerpoint/2010/main" val="1241273997"/>
+      </p:ext>
+    </p:extLst>
+  </p:cSld>
+  <p:clrMapOvr>
+    <a:masterClrMapping/>
+  </p:clrMapOvr>
+</p:sld>
+</file>
+
+<file path=ppt/slides/slide11.xml><?xml version="1.0" encoding="utf-8"?>
+<p:sld xmlns:a="http://schemas.openxmlformats.org/drawingml/2006/main" xmlns:r="http://schemas.openxmlformats.org/officeDocument/2006/relationships" xmlns:p="http://schemas.openxmlformats.org/presentationml/2006/main">
+  <p:cSld>
+    <p:spTree>
+      <p:nvGrpSpPr>
+        <p:cNvPr id="1" name=""/>
+        <p:cNvGrpSpPr/>
+        <p:nvPr/>
+      </p:nvGrpSpPr>
+      <p:grpSpPr>
+        <a:xfrm>
+          <a:off x="0" y="0"/>
+          <a:ext cx="0" cy="0"/>
+          <a:chOff x="0" y="0"/>
+          <a:chExt cx="0" cy="0"/>
+        </a:xfrm>
+      </p:grpSpPr>
+      <p:sp>
+        <p:nvSpPr>
+          <p:cNvPr id="2" name="Title 1">
+            <a:extLst>
+              <a:ext uri="{FF2B5EF4-FFF2-40B4-BE49-F238E27FC236}">
                 <a16:creationId xmlns:a16="http://schemas.microsoft.com/office/drawing/2014/main" id="{B691F786-14D1-FCB7-682D-6DB745560160}"/>
               </a:ext>
             </a:extLst>
@@ -4069,7 +4243,7 @@
 </p:sld>
 </file>
 
-<file path=ppt/slides/slide11.xml><?xml version="1.0" encoding="utf-8"?>
+<file path=ppt/slides/slide12.xml><?xml version="1.0" encoding="utf-8"?>
 <p:sld xmlns:a="http://schemas.openxmlformats.org/drawingml/2006/main" xmlns:r="http://schemas.openxmlformats.org/officeDocument/2006/relationships" xmlns:p="http://schemas.openxmlformats.org/presentationml/2006/main">
   <p:cSld>
     <p:spTree>
@@ -4782,77 +4956,90 @@
           <a:chExt cx="0" cy="0"/>
         </a:xfrm>
       </p:grpSpPr>
+      <p:sp>
+        <p:nvSpPr>
+          <p:cNvPr id="2" name="Title 1">
+            <a:extLst>
+              <a:ext uri="{FF2B5EF4-FFF2-40B4-BE49-F238E27FC236}">
+                <a16:creationId xmlns:a16="http://schemas.microsoft.com/office/drawing/2014/main" id="{0B0D6627-FFB3-9CE6-1954-48F7F31C1A36}"/>
+              </a:ext>
+            </a:extLst>
+          </p:cNvPr>
+          <p:cNvSpPr>
+            <a:spLocks noGrp="1"/>
+          </p:cNvSpPr>
+          <p:nvPr>
+            <p:ph type="title"/>
+          </p:nvPr>
+        </p:nvSpPr>
+        <p:spPr/>
+        <p:txBody>
+          <a:bodyPr/>
+          <a:lstStyle/>
+          <a:p>
+            <a:r>
+              <a:rPr lang="en-US" b="0" i="0" u="sng" dirty="0">
+                <a:solidFill>
+                  <a:srgbClr val="0969DA"/>
+                </a:solidFill>
+                <a:effectLst/>
+                <a:latin typeface="-apple-system"/>
+                <a:hlinkClick r:id="rId2"/>
+              </a:rPr>
+              <a:t>https://hallvard.github.io/plantuml/</a:t>
+            </a:r>
+            <a:r>
+              <a:rPr lang="en-US" b="0" i="0" dirty="0">
+                <a:solidFill>
+                  <a:srgbClr val="1F2328"/>
+                </a:solidFill>
+                <a:effectLst/>
+                <a:latin typeface="-apple-system"/>
+              </a:rPr>
+              <a:t> </a:t>
+            </a:r>
+            <a:endParaRPr lang="en-US" dirty="0"/>
+          </a:p>
+        </p:txBody>
+      </p:sp>
       <p:pic>
         <p:nvPicPr>
-          <p:cNvPr id="2" name="Picture 1"/>
+          <p:cNvPr id="5" name="Content Placeholder 4">
+            <a:extLst>
+              <a:ext uri="{FF2B5EF4-FFF2-40B4-BE49-F238E27FC236}">
+                <a16:creationId xmlns:a16="http://schemas.microsoft.com/office/drawing/2014/main" id="{DCB410A5-75E0-3832-1350-BFBE4F5E6ED8}"/>
+              </a:ext>
+            </a:extLst>
+          </p:cNvPr>
           <p:cNvPicPr>
-            <a:picLocks noChangeAspect="1"/>
+            <a:picLocks noGrp="1" noChangeAspect="1"/>
           </p:cNvPicPr>
-          <p:nvPr/>
+          <p:nvPr>
+            <p:ph idx="1"/>
+          </p:nvPr>
         </p:nvPicPr>
-        <p:blipFill rotWithShape="1">
-          <a:blip r:embed="rId2"/>
-          <a:srcRect l="590" t="2403" r="-1"/>
-          <a:stretch/>
+        <p:blipFill>
+          <a:blip r:embed="rId3"/>
+          <a:stretch>
+            <a:fillRect/>
+          </a:stretch>
         </p:blipFill>
         <p:spPr>
           <a:xfrm>
-            <a:off x="1704658" y="3276600"/>
-            <a:ext cx="5802205" cy="3351294"/>
-          </a:xfrm>
-          <a:prstGeom prst="rect">
-            <a:avLst/>
-          </a:prstGeom>
+            <a:off x="3460349" y="1797292"/>
+            <a:ext cx="6763898" cy="4351338"/>
+          </a:xfrm>
         </p:spPr>
       </p:pic>
-      <p:sp>
-        <p:nvSpPr>
-          <p:cNvPr id="3" name="Rectangle 2"/>
-          <p:cNvSpPr/>
-          <p:nvPr/>
-        </p:nvSpPr>
-        <p:spPr>
-          <a:xfrm>
-            <a:off x="6891605" y="1771858"/>
-            <a:ext cx="3724096" cy="646331"/>
-          </a:xfrm>
-          <a:prstGeom prst="rect">
-            <a:avLst/>
-          </a:prstGeom>
-        </p:spPr>
-        <p:txBody>
-          <a:bodyPr wrap="none">
-            <a:spAutoFit/>
-          </a:bodyPr>
-          <a:lstStyle/>
-          <a:p>
-            <a:r>
-              <a:rPr lang="en-US" dirty="0">
-                <a:hlinkClick r:id="rId3"/>
-              </a:rPr>
-              <a:t>https://graphviz.gitlab.io/download/</a:t>
-            </a:r>
-            <a:endParaRPr lang="en-US" dirty="0"/>
-          </a:p>
-          <a:p>
-            <a:r>
-              <a:rPr lang="en-US" dirty="0"/>
-              <a:t>Windows Stable Installed (</a:t>
-            </a:r>
-            <a:r>
-              <a:rPr lang="en-US" dirty="0" err="1"/>
-              <a:t>msi</a:t>
-            </a:r>
-            <a:r>
-              <a:rPr lang="en-US" dirty="0"/>
-              <a:t>)</a:t>
-            </a:r>
-          </a:p>
-        </p:txBody>
-      </p:sp>
       <p:pic>
         <p:nvPicPr>
-          <p:cNvPr id="4" name="Picture 3"/>
+          <p:cNvPr id="7" name="Picture 6">
+            <a:extLst>
+              <a:ext uri="{FF2B5EF4-FFF2-40B4-BE49-F238E27FC236}">
+                <a16:creationId xmlns:a16="http://schemas.microsoft.com/office/drawing/2014/main" id="{40D3031D-2968-F121-E5B4-B683B40BBE3A}"/>
+              </a:ext>
+            </a:extLst>
+          </p:cNvPr>
           <p:cNvPicPr>
             <a:picLocks noChangeAspect="1"/>
           </p:cNvPicPr>
@@ -4866,113 +5053,83 @@
         </p:blipFill>
         <p:spPr>
           <a:xfrm>
-            <a:off x="7800337" y="4055947"/>
-            <a:ext cx="2857500" cy="2419350"/>
+            <a:off x="449545" y="1690688"/>
+            <a:ext cx="2181529" cy="3372321"/>
           </a:xfrm>
           <a:prstGeom prst="rect">
             <a:avLst/>
           </a:prstGeom>
         </p:spPr>
       </p:pic>
-      <p:sp>
-        <p:nvSpPr>
-          <p:cNvPr id="5" name="Rectangle 4"/>
+      <mc:AlternateContent xmlns:mc="http://schemas.openxmlformats.org/markup-compatibility/2006">
+        <mc:Choice xmlns:p14="http://schemas.microsoft.com/office/powerpoint/2010/main" Requires="p14">
+          <p:contentPart p14:bwMode="auto" r:id="rId5">
+            <p14:nvContentPartPr>
+              <p14:cNvPr id="8" name="Ink 7">
+                <a:extLst>
+                  <a:ext uri="{FF2B5EF4-FFF2-40B4-BE49-F238E27FC236}">
+                    <a16:creationId xmlns:a16="http://schemas.microsoft.com/office/drawing/2014/main" id="{698EACFF-B522-A065-04AA-56AD7E399EF5}"/>
+                  </a:ext>
+                </a:extLst>
+              </p14:cNvPr>
+              <p14:cNvContentPartPr/>
+              <p14:nvPr/>
+            </p14:nvContentPartPr>
+            <p14:xfrm>
+              <a:off x="3336212" y="1392740"/>
+              <a:ext cx="1637640" cy="1320120"/>
+            </p14:xfrm>
+          </p:contentPart>
+        </mc:Choice>
+        <mc:Fallback>
+          <p:pic>
+            <p:nvPicPr>
+              <p:cNvPr id="8" name="Ink 7">
+                <a:extLst>
+                  <a:ext uri="{FF2B5EF4-FFF2-40B4-BE49-F238E27FC236}">
+                    <a16:creationId xmlns:a16="http://schemas.microsoft.com/office/drawing/2014/main" id="{698EACFF-B522-A065-04AA-56AD7E399EF5}"/>
+                  </a:ext>
+                </a:extLst>
+              </p:cNvPr>
+              <p:cNvPicPr/>
+              <p:nvPr/>
+            </p:nvPicPr>
+            <p:blipFill>
+              <a:blip r:embed="rId6"/>
+              <a:stretch>
+                <a:fillRect/>
+              </a:stretch>
+            </p:blipFill>
+            <p:spPr>
+              <a:xfrm>
+                <a:off x="3318572" y="1374740"/>
+                <a:ext cx="1673280" cy="1355760"/>
+              </a:xfrm>
+              <a:prstGeom prst="rect">
+                <a:avLst/>
+              </a:prstGeom>
+            </p:spPr>
+          </p:pic>
+        </mc:Fallback>
+      </mc:AlternateContent>
+      <p:sp>
+        <p:nvSpPr>
+          <p:cNvPr id="9" name="Right Arrow 13">
+            <a:extLst>
+              <a:ext uri="{FF2B5EF4-FFF2-40B4-BE49-F238E27FC236}">
+                <a16:creationId xmlns:a16="http://schemas.microsoft.com/office/drawing/2014/main" id="{6B38C7F3-D560-8BF4-A16D-8221807DB8A2}"/>
+              </a:ext>
+            </a:extLst>
+          </p:cNvPr>
           <p:cNvSpPr/>
           <p:nvPr/>
         </p:nvSpPr>
         <p:spPr>
-          <a:xfrm>
-            <a:off x="7086601" y="1217142"/>
-            <a:ext cx="3031599" cy="369332"/>
-          </a:xfrm>
-          <a:prstGeom prst="rect">
-            <a:avLst/>
-          </a:prstGeom>
-        </p:spPr>
-        <p:txBody>
-          <a:bodyPr wrap="none">
-            <a:spAutoFit/>
-          </a:bodyPr>
-          <a:lstStyle/>
-          <a:p>
-            <a:r>
-              <a:rPr lang="en-US" dirty="0">
-                <a:hlinkClick r:id="rId5"/>
-              </a:rPr>
-              <a:t>https://plantuml.com/eclipse</a:t>
-            </a:r>
-            <a:endParaRPr lang="en-US" dirty="0"/>
-          </a:p>
-        </p:txBody>
-      </p:sp>
-      <p:pic>
-        <p:nvPicPr>
-          <p:cNvPr id="6" name="Picture 5"/>
-          <p:cNvPicPr>
-            <a:picLocks noChangeAspect="1"/>
-          </p:cNvPicPr>
-          <p:nvPr/>
-        </p:nvPicPr>
-        <p:blipFill rotWithShape="1">
-          <a:blip r:embed="rId6"/>
-          <a:srcRect t="1645"/>
-          <a:stretch/>
-        </p:blipFill>
-        <p:spPr>
-          <a:xfrm>
-            <a:off x="1641324" y="76200"/>
-            <a:ext cx="2964437" cy="3095560"/>
-          </a:xfrm>
-          <a:prstGeom prst="rect">
-            <a:avLst/>
-          </a:prstGeom>
-        </p:spPr>
-      </p:pic>
-      <p:sp>
-        <p:nvSpPr>
-          <p:cNvPr id="7" name="TextBox 6"/>
-          <p:cNvSpPr txBox="1"/>
-          <p:nvPr/>
-        </p:nvSpPr>
-        <p:spPr>
-          <a:xfrm>
-            <a:off x="4800600" y="152400"/>
-            <a:ext cx="5157374" cy="707886"/>
-          </a:xfrm>
-          <a:prstGeom prst="rect">
-            <a:avLst/>
-          </a:prstGeom>
-          <a:noFill/>
-        </p:spPr>
-        <p:txBody>
-          <a:bodyPr wrap="none" rtlCol="0">
-            <a:spAutoFit/>
-          </a:bodyPr>
-          <a:lstStyle/>
-          <a:p>
-            <a:r>
-              <a:rPr lang="en-US" sz="4000" dirty="0" err="1"/>
-              <a:t>PlantUML</a:t>
-            </a:r>
-            <a:r>
-              <a:rPr lang="en-US" sz="4000" dirty="0"/>
-              <a:t> Eclipse Plugin</a:t>
-            </a:r>
-          </a:p>
-        </p:txBody>
-      </p:sp>
-      <p:sp>
-        <p:nvSpPr>
-          <p:cNvPr id="8" name="Down Arrow 7"/>
-          <p:cNvSpPr/>
-          <p:nvPr/>
-        </p:nvSpPr>
-        <p:spPr>
-          <a:xfrm flipV="1">
-            <a:off x="8172963" y="2476500"/>
-            <a:ext cx="580691" cy="1600200"/>
-          </a:xfrm>
-          <a:prstGeom prst="downArrow">
+          <a:xfrm flipH="1">
+            <a:off x="926411" y="1614544"/>
+            <a:ext cx="1828800" cy="587230"/>
+          </a:xfrm>
+          <a:prstGeom prst="rightArrow">
             <a:avLst/>
           </a:prstGeom>
         </p:spPr>
@@ -5003,47 +5160,19 @@
       </p:sp>
       <p:sp>
         <p:nvSpPr>
-          <p:cNvPr id="9" name="TextBox 8"/>
-          <p:cNvSpPr txBox="1"/>
-          <p:nvPr/>
-        </p:nvSpPr>
-        <p:spPr>
-          <a:xfrm>
-            <a:off x="8662101" y="3155660"/>
-            <a:ext cx="1614994" cy="369332"/>
-          </a:xfrm>
-          <a:prstGeom prst="rect">
-            <a:avLst/>
-          </a:prstGeom>
-          <a:noFill/>
-        </p:spPr>
-        <p:txBody>
-          <a:bodyPr wrap="none" rtlCol="0">
-            <a:spAutoFit/>
-          </a:bodyPr>
-          <a:lstStyle/>
-          <a:p>
-            <a:r>
-              <a:rPr lang="en-US" dirty="0"/>
-              <a:t>Install </a:t>
-            </a:r>
-            <a:r>
-              <a:rPr lang="en-US" dirty="0" err="1"/>
-              <a:t>Graphviz</a:t>
-            </a:r>
-            <a:endParaRPr lang="en-US" dirty="0"/>
-          </a:p>
-        </p:txBody>
-      </p:sp>
-      <p:sp>
-        <p:nvSpPr>
-          <p:cNvPr id="12" name="Right Arrow 11"/>
+          <p:cNvPr id="10" name="Right Arrow 13">
+            <a:extLst>
+              <a:ext uri="{FF2B5EF4-FFF2-40B4-BE49-F238E27FC236}">
+                <a16:creationId xmlns:a16="http://schemas.microsoft.com/office/drawing/2014/main" id="{5AAB333C-0F4E-D91F-61CC-10C95140CDEA}"/>
+              </a:ext>
+            </a:extLst>
+          </p:cNvPr>
           <p:cNvSpPr/>
           <p:nvPr/>
         </p:nvSpPr>
         <p:spPr>
           <a:xfrm flipH="1">
-            <a:off x="3276600" y="2406940"/>
+            <a:off x="2421812" y="4661429"/>
             <a:ext cx="1828800" cy="587230"/>
           </a:xfrm>
           <a:prstGeom prst="rightArrow">
@@ -5077,13 +5206,19 @@
       </p:sp>
       <p:sp>
         <p:nvSpPr>
-          <p:cNvPr id="13" name="Right Arrow 12"/>
+          <p:cNvPr id="11" name="Right Arrow 13">
+            <a:extLst>
+              <a:ext uri="{FF2B5EF4-FFF2-40B4-BE49-F238E27FC236}">
+                <a16:creationId xmlns:a16="http://schemas.microsoft.com/office/drawing/2014/main" id="{047B24CC-E080-6513-BEA5-CC5D62BFD5EA}"/>
+              </a:ext>
+            </a:extLst>
+          </p:cNvPr>
           <p:cNvSpPr/>
           <p:nvPr/>
         </p:nvSpPr>
         <p:spPr>
           <a:xfrm flipH="1">
-            <a:off x="2748581" y="4424799"/>
+            <a:off x="5643064" y="2419245"/>
             <a:ext cx="1828800" cy="587230"/>
           </a:xfrm>
           <a:prstGeom prst="rightArrow">
@@ -5117,13 +5252,19 @@
       </p:sp>
       <p:sp>
         <p:nvSpPr>
-          <p:cNvPr id="14" name="Right Arrow 13"/>
+          <p:cNvPr id="12" name="Right Arrow 13">
+            <a:extLst>
+              <a:ext uri="{FF2B5EF4-FFF2-40B4-BE49-F238E27FC236}">
+                <a16:creationId xmlns:a16="http://schemas.microsoft.com/office/drawing/2014/main" id="{9BFE6682-D499-B7C5-D825-B636886FF374}"/>
+              </a:ext>
+            </a:extLst>
+          </p:cNvPr>
           <p:cNvSpPr/>
           <p:nvPr/>
         </p:nvSpPr>
         <p:spPr>
           <a:xfrm flipH="1">
-            <a:off x="2209141" y="73871"/>
+            <a:off x="5013498" y="3041198"/>
             <a:ext cx="1828800" cy="587230"/>
           </a:xfrm>
           <a:prstGeom prst="rightArrow">
@@ -5158,6 +5299,532 @@
     </p:spTree>
     <p:extLst>
       <p:ext uri="{BB962C8B-B14F-4D97-AF65-F5344CB8AC3E}">
+        <p14:creationId xmlns:p14="http://schemas.microsoft.com/office/powerpoint/2010/main" val="4206125442"/>
+      </p:ext>
+    </p:extLst>
+  </p:cSld>
+  <p:clrMapOvr>
+    <a:masterClrMapping/>
+  </p:clrMapOvr>
+</p:sld>
+</file>
+
+<file path=ppt/slides/slide5.xml><?xml version="1.0" encoding="utf-8"?>
+<p:sld xmlns:a="http://schemas.openxmlformats.org/drawingml/2006/main" xmlns:r="http://schemas.openxmlformats.org/officeDocument/2006/relationships" xmlns:p="http://schemas.openxmlformats.org/presentationml/2006/main" show="0">
+  <p:cSld>
+    <p:spTree>
+      <p:nvGrpSpPr>
+        <p:cNvPr id="1" name=""/>
+        <p:cNvGrpSpPr/>
+        <p:nvPr/>
+      </p:nvGrpSpPr>
+      <p:grpSpPr>
+        <a:xfrm>
+          <a:off x="0" y="0"/>
+          <a:ext cx="0" cy="0"/>
+          <a:chOff x="0" y="0"/>
+          <a:chExt cx="0" cy="0"/>
+        </a:xfrm>
+      </p:grpSpPr>
+      <p:pic>
+        <p:nvPicPr>
+          <p:cNvPr id="2" name="Picture 1"/>
+          <p:cNvPicPr>
+            <a:picLocks noChangeAspect="1"/>
+          </p:cNvPicPr>
+          <p:nvPr/>
+        </p:nvPicPr>
+        <p:blipFill rotWithShape="1">
+          <a:blip r:embed="rId2"/>
+          <a:srcRect l="590" t="2403" r="-1"/>
+          <a:stretch/>
+        </p:blipFill>
+        <p:spPr>
+          <a:xfrm>
+            <a:off x="1704658" y="3276600"/>
+            <a:ext cx="5802205" cy="3351294"/>
+          </a:xfrm>
+          <a:prstGeom prst="rect">
+            <a:avLst/>
+          </a:prstGeom>
+        </p:spPr>
+      </p:pic>
+      <p:sp>
+        <p:nvSpPr>
+          <p:cNvPr id="3" name="Rectangle 2"/>
+          <p:cNvSpPr/>
+          <p:nvPr/>
+        </p:nvSpPr>
+        <p:spPr>
+          <a:xfrm>
+            <a:off x="6891605" y="1771858"/>
+            <a:ext cx="3724096" cy="646331"/>
+          </a:xfrm>
+          <a:prstGeom prst="rect">
+            <a:avLst/>
+          </a:prstGeom>
+        </p:spPr>
+        <p:txBody>
+          <a:bodyPr wrap="none">
+            <a:spAutoFit/>
+          </a:bodyPr>
+          <a:lstStyle/>
+          <a:p>
+            <a:r>
+              <a:rPr lang="en-US" dirty="0">
+                <a:hlinkClick r:id="rId3"/>
+              </a:rPr>
+              <a:t>https://graphviz.gitlab.io/download/</a:t>
+            </a:r>
+            <a:endParaRPr lang="en-US" dirty="0"/>
+          </a:p>
+          <a:p>
+            <a:r>
+              <a:rPr lang="en-US" dirty="0"/>
+              <a:t>Windows Stable Installed (</a:t>
+            </a:r>
+            <a:r>
+              <a:rPr lang="en-US" dirty="0" err="1"/>
+              <a:t>msi</a:t>
+            </a:r>
+            <a:r>
+              <a:rPr lang="en-US" dirty="0"/>
+              <a:t>)</a:t>
+            </a:r>
+          </a:p>
+        </p:txBody>
+      </p:sp>
+      <p:pic>
+        <p:nvPicPr>
+          <p:cNvPr id="4" name="Picture 3"/>
+          <p:cNvPicPr>
+            <a:picLocks noChangeAspect="1"/>
+          </p:cNvPicPr>
+          <p:nvPr/>
+        </p:nvPicPr>
+        <p:blipFill>
+          <a:blip r:embed="rId4"/>
+          <a:stretch>
+            <a:fillRect/>
+          </a:stretch>
+        </p:blipFill>
+        <p:spPr>
+          <a:xfrm>
+            <a:off x="7800337" y="4055947"/>
+            <a:ext cx="2857500" cy="2419350"/>
+          </a:xfrm>
+          <a:prstGeom prst="rect">
+            <a:avLst/>
+          </a:prstGeom>
+        </p:spPr>
+      </p:pic>
+      <p:sp>
+        <p:nvSpPr>
+          <p:cNvPr id="5" name="Rectangle 4"/>
+          <p:cNvSpPr/>
+          <p:nvPr/>
+        </p:nvSpPr>
+        <p:spPr>
+          <a:xfrm>
+            <a:off x="7086601" y="1217142"/>
+            <a:ext cx="3031599" cy="369332"/>
+          </a:xfrm>
+          <a:prstGeom prst="rect">
+            <a:avLst/>
+          </a:prstGeom>
+        </p:spPr>
+        <p:txBody>
+          <a:bodyPr wrap="none">
+            <a:spAutoFit/>
+          </a:bodyPr>
+          <a:lstStyle/>
+          <a:p>
+            <a:r>
+              <a:rPr lang="en-US" dirty="0">
+                <a:hlinkClick r:id="rId5"/>
+              </a:rPr>
+              <a:t>https://plantuml.com/eclipse</a:t>
+            </a:r>
+            <a:endParaRPr lang="en-US" dirty="0"/>
+          </a:p>
+        </p:txBody>
+      </p:sp>
+      <p:pic>
+        <p:nvPicPr>
+          <p:cNvPr id="6" name="Picture 5"/>
+          <p:cNvPicPr>
+            <a:picLocks noChangeAspect="1"/>
+          </p:cNvPicPr>
+          <p:nvPr/>
+        </p:nvPicPr>
+        <p:blipFill rotWithShape="1">
+          <a:blip r:embed="rId6"/>
+          <a:srcRect t="1645"/>
+          <a:stretch/>
+        </p:blipFill>
+        <p:spPr>
+          <a:xfrm>
+            <a:off x="1641324" y="76200"/>
+            <a:ext cx="2964437" cy="3095560"/>
+          </a:xfrm>
+          <a:prstGeom prst="rect">
+            <a:avLst/>
+          </a:prstGeom>
+        </p:spPr>
+      </p:pic>
+      <p:sp>
+        <p:nvSpPr>
+          <p:cNvPr id="7" name="TextBox 6"/>
+          <p:cNvSpPr txBox="1"/>
+          <p:nvPr/>
+        </p:nvSpPr>
+        <p:spPr>
+          <a:xfrm>
+            <a:off x="4800600" y="152400"/>
+            <a:ext cx="5157374" cy="707886"/>
+          </a:xfrm>
+          <a:prstGeom prst="rect">
+            <a:avLst/>
+          </a:prstGeom>
+          <a:noFill/>
+        </p:spPr>
+        <p:txBody>
+          <a:bodyPr wrap="none" rtlCol="0">
+            <a:spAutoFit/>
+          </a:bodyPr>
+          <a:lstStyle/>
+          <a:p>
+            <a:r>
+              <a:rPr lang="en-US" sz="4000" dirty="0" err="1"/>
+              <a:t>PlantUML</a:t>
+            </a:r>
+            <a:r>
+              <a:rPr lang="en-US" sz="4000" dirty="0"/>
+              <a:t> Eclipse Plugin</a:t>
+            </a:r>
+          </a:p>
+        </p:txBody>
+      </p:sp>
+      <p:sp>
+        <p:nvSpPr>
+          <p:cNvPr id="8" name="Down Arrow 7"/>
+          <p:cNvSpPr/>
+          <p:nvPr/>
+        </p:nvSpPr>
+        <p:spPr>
+          <a:xfrm flipV="1">
+            <a:off x="8172963" y="2476500"/>
+            <a:ext cx="580691" cy="1600200"/>
+          </a:xfrm>
+          <a:prstGeom prst="downArrow">
+            <a:avLst/>
+          </a:prstGeom>
+        </p:spPr>
+        <p:style>
+          <a:lnRef idx="2">
+            <a:schemeClr val="accent1">
+              <a:shade val="50000"/>
+            </a:schemeClr>
+          </a:lnRef>
+          <a:fillRef idx="1">
+            <a:schemeClr val="accent1"/>
+          </a:fillRef>
+          <a:effectRef idx="0">
+            <a:schemeClr val="accent1"/>
+          </a:effectRef>
+          <a:fontRef idx="minor">
+            <a:schemeClr val="lt1"/>
+          </a:fontRef>
+        </p:style>
+        <p:txBody>
+          <a:bodyPr rtlCol="0" anchor="ctr"/>
+          <a:lstStyle/>
+          <a:p>
+            <a:pPr algn="ctr"/>
+            <a:endParaRPr lang="en-US"/>
+          </a:p>
+        </p:txBody>
+      </p:sp>
+      <p:sp>
+        <p:nvSpPr>
+          <p:cNvPr id="9" name="TextBox 8"/>
+          <p:cNvSpPr txBox="1"/>
+          <p:nvPr/>
+        </p:nvSpPr>
+        <p:spPr>
+          <a:xfrm>
+            <a:off x="8662101" y="3155660"/>
+            <a:ext cx="1614994" cy="369332"/>
+          </a:xfrm>
+          <a:prstGeom prst="rect">
+            <a:avLst/>
+          </a:prstGeom>
+          <a:noFill/>
+        </p:spPr>
+        <p:txBody>
+          <a:bodyPr wrap="none" rtlCol="0">
+            <a:spAutoFit/>
+          </a:bodyPr>
+          <a:lstStyle/>
+          <a:p>
+            <a:r>
+              <a:rPr lang="en-US" dirty="0"/>
+              <a:t>Install </a:t>
+            </a:r>
+            <a:r>
+              <a:rPr lang="en-US" dirty="0" err="1"/>
+              <a:t>Graphviz</a:t>
+            </a:r>
+            <a:endParaRPr lang="en-US" dirty="0"/>
+          </a:p>
+        </p:txBody>
+      </p:sp>
+      <p:sp>
+        <p:nvSpPr>
+          <p:cNvPr id="12" name="Right Arrow 11"/>
+          <p:cNvSpPr/>
+          <p:nvPr/>
+        </p:nvSpPr>
+        <p:spPr>
+          <a:xfrm flipH="1">
+            <a:off x="3276600" y="2406940"/>
+            <a:ext cx="1828800" cy="587230"/>
+          </a:xfrm>
+          <a:prstGeom prst="rightArrow">
+            <a:avLst/>
+          </a:prstGeom>
+        </p:spPr>
+        <p:style>
+          <a:lnRef idx="2">
+            <a:schemeClr val="accent1">
+              <a:shade val="50000"/>
+            </a:schemeClr>
+          </a:lnRef>
+          <a:fillRef idx="1">
+            <a:schemeClr val="accent1"/>
+          </a:fillRef>
+          <a:effectRef idx="0">
+            <a:schemeClr val="accent1"/>
+          </a:effectRef>
+          <a:fontRef idx="minor">
+            <a:schemeClr val="lt1"/>
+          </a:fontRef>
+        </p:style>
+        <p:txBody>
+          <a:bodyPr rtlCol="0" anchor="ctr"/>
+          <a:lstStyle/>
+          <a:p>
+            <a:pPr algn="ctr"/>
+            <a:endParaRPr lang="en-US"/>
+          </a:p>
+        </p:txBody>
+      </p:sp>
+      <p:sp>
+        <p:nvSpPr>
+          <p:cNvPr id="13" name="Right Arrow 12"/>
+          <p:cNvSpPr/>
+          <p:nvPr/>
+        </p:nvSpPr>
+        <p:spPr>
+          <a:xfrm flipH="1">
+            <a:off x="2748581" y="4424799"/>
+            <a:ext cx="1828800" cy="587230"/>
+          </a:xfrm>
+          <a:prstGeom prst="rightArrow">
+            <a:avLst/>
+          </a:prstGeom>
+        </p:spPr>
+        <p:style>
+          <a:lnRef idx="2">
+            <a:schemeClr val="accent1">
+              <a:shade val="50000"/>
+            </a:schemeClr>
+          </a:lnRef>
+          <a:fillRef idx="1">
+            <a:schemeClr val="accent1"/>
+          </a:fillRef>
+          <a:effectRef idx="0">
+            <a:schemeClr val="accent1"/>
+          </a:effectRef>
+          <a:fontRef idx="minor">
+            <a:schemeClr val="lt1"/>
+          </a:fontRef>
+        </p:style>
+        <p:txBody>
+          <a:bodyPr rtlCol="0" anchor="ctr"/>
+          <a:lstStyle/>
+          <a:p>
+            <a:pPr algn="ctr"/>
+            <a:endParaRPr lang="en-US"/>
+          </a:p>
+        </p:txBody>
+      </p:sp>
+      <p:sp>
+        <p:nvSpPr>
+          <p:cNvPr id="14" name="Right Arrow 13"/>
+          <p:cNvSpPr/>
+          <p:nvPr/>
+        </p:nvSpPr>
+        <p:spPr>
+          <a:xfrm flipH="1">
+            <a:off x="2209141" y="73871"/>
+            <a:ext cx="1828800" cy="587230"/>
+          </a:xfrm>
+          <a:prstGeom prst="rightArrow">
+            <a:avLst/>
+          </a:prstGeom>
+        </p:spPr>
+        <p:style>
+          <a:lnRef idx="2">
+            <a:schemeClr val="accent1">
+              <a:shade val="50000"/>
+            </a:schemeClr>
+          </a:lnRef>
+          <a:fillRef idx="1">
+            <a:schemeClr val="accent1"/>
+          </a:fillRef>
+          <a:effectRef idx="0">
+            <a:schemeClr val="accent1"/>
+          </a:effectRef>
+          <a:fontRef idx="minor">
+            <a:schemeClr val="lt1"/>
+          </a:fontRef>
+        </p:style>
+        <p:txBody>
+          <a:bodyPr rtlCol="0" anchor="ctr"/>
+          <a:lstStyle/>
+          <a:p>
+            <a:pPr algn="ctr"/>
+            <a:endParaRPr lang="en-US"/>
+          </a:p>
+        </p:txBody>
+      </p:sp>
+      <p:grpSp>
+        <p:nvGrpSpPr>
+          <p:cNvPr id="15" name="Group 14">
+            <a:extLst>
+              <a:ext uri="{FF2B5EF4-FFF2-40B4-BE49-F238E27FC236}">
+                <a16:creationId xmlns:a16="http://schemas.microsoft.com/office/drawing/2014/main" id="{F5A0E554-659B-03FD-0053-5D8F35C5AA2D}"/>
+              </a:ext>
+            </a:extLst>
+          </p:cNvPr>
+          <p:cNvGrpSpPr/>
+          <p:nvPr/>
+        </p:nvGrpSpPr>
+        <p:grpSpPr>
+          <a:xfrm>
+            <a:off x="884612" y="427580"/>
+            <a:ext cx="10077120" cy="6031440"/>
+            <a:chOff x="884612" y="427580"/>
+            <a:chExt cx="10077120" cy="6031440"/>
+          </a:xfrm>
+        </p:grpSpPr>
+        <mc:AlternateContent xmlns:mc="http://schemas.openxmlformats.org/markup-compatibility/2006">
+          <mc:Choice xmlns:p14="http://schemas.microsoft.com/office/powerpoint/2010/main" Requires="p14">
+            <p:contentPart p14:bwMode="auto" r:id="rId7">
+              <p14:nvContentPartPr>
+                <p14:cNvPr id="10" name="Ink 9">
+                  <a:extLst>
+                    <a:ext uri="{FF2B5EF4-FFF2-40B4-BE49-F238E27FC236}">
+                      <a16:creationId xmlns:a16="http://schemas.microsoft.com/office/drawing/2014/main" id="{421503CD-027D-EB8C-78D8-FFFB5DB593EF}"/>
+                    </a:ext>
+                  </a:extLst>
+                </p14:cNvPr>
+                <p14:cNvContentPartPr/>
+                <p14:nvPr/>
+              </p14:nvContentPartPr>
+              <p14:xfrm>
+                <a:off x="884612" y="427580"/>
+                <a:ext cx="10077120" cy="5595120"/>
+              </p14:xfrm>
+            </p:contentPart>
+          </mc:Choice>
+          <mc:Fallback>
+            <p:pic>
+              <p:nvPicPr>
+                <p:cNvPr id="10" name="Ink 9">
+                  <a:extLst>
+                    <a:ext uri="{FF2B5EF4-FFF2-40B4-BE49-F238E27FC236}">
+                      <a16:creationId xmlns:a16="http://schemas.microsoft.com/office/drawing/2014/main" id="{421503CD-027D-EB8C-78D8-FFFB5DB593EF}"/>
+                    </a:ext>
+                  </a:extLst>
+                </p:cNvPr>
+                <p:cNvPicPr/>
+                <p:nvPr/>
+              </p:nvPicPr>
+              <p:blipFill>
+                <a:blip r:embed="rId8"/>
+                <a:stretch>
+                  <a:fillRect/>
+                </a:stretch>
+              </p:blipFill>
+              <p:spPr>
+                <a:xfrm>
+                  <a:off x="866972" y="409940"/>
+                  <a:ext cx="10112760" cy="5630760"/>
+                </a:xfrm>
+                <a:prstGeom prst="rect">
+                  <a:avLst/>
+                </a:prstGeom>
+              </p:spPr>
+            </p:pic>
+          </mc:Fallback>
+        </mc:AlternateContent>
+        <mc:AlternateContent xmlns:mc="http://schemas.openxmlformats.org/markup-compatibility/2006">
+          <mc:Choice xmlns:p14="http://schemas.microsoft.com/office/powerpoint/2010/main" Requires="p14">
+            <p:contentPart p14:bwMode="auto" r:id="rId9">
+              <p14:nvContentPartPr>
+                <p14:cNvPr id="11" name="Ink 10">
+                  <a:extLst>
+                    <a:ext uri="{FF2B5EF4-FFF2-40B4-BE49-F238E27FC236}">
+                      <a16:creationId xmlns:a16="http://schemas.microsoft.com/office/drawing/2014/main" id="{B7A4E05D-D75A-53E5-963D-BF5D6FDF0060}"/>
+                    </a:ext>
+                  </a:extLst>
+                </p14:cNvPr>
+                <p14:cNvContentPartPr/>
+                <p14:nvPr/>
+              </p14:nvContentPartPr>
+              <p14:xfrm>
+                <a:off x="971372" y="544580"/>
+                <a:ext cx="9429480" cy="5914440"/>
+              </p14:xfrm>
+            </p:contentPart>
+          </mc:Choice>
+          <mc:Fallback>
+            <p:pic>
+              <p:nvPicPr>
+                <p:cNvPr id="11" name="Ink 10">
+                  <a:extLst>
+                    <a:ext uri="{FF2B5EF4-FFF2-40B4-BE49-F238E27FC236}">
+                      <a16:creationId xmlns:a16="http://schemas.microsoft.com/office/drawing/2014/main" id="{B7A4E05D-D75A-53E5-963D-BF5D6FDF0060}"/>
+                    </a:ext>
+                  </a:extLst>
+                </p:cNvPr>
+                <p:cNvPicPr/>
+                <p:nvPr/>
+              </p:nvPicPr>
+              <p:blipFill>
+                <a:blip r:embed="rId10"/>
+                <a:stretch>
+                  <a:fillRect/>
+                </a:stretch>
+              </p:blipFill>
+              <p:spPr>
+                <a:xfrm>
+                  <a:off x="953732" y="526580"/>
+                  <a:ext cx="9465120" cy="5950080"/>
+                </a:xfrm>
+                <a:prstGeom prst="rect">
+                  <a:avLst/>
+                </a:prstGeom>
+              </p:spPr>
+            </p:pic>
+          </mc:Fallback>
+        </mc:AlternateContent>
+      </p:grpSp>
+    </p:spTree>
+    <p:extLst>
+      <p:ext uri="{BB962C8B-B14F-4D97-AF65-F5344CB8AC3E}">
         <p14:creationId xmlns:p14="http://schemas.microsoft.com/office/powerpoint/2010/main" val="1684042858"/>
       </p:ext>
     </p:extLst>
@@ -5168,7 +5835,7 @@
 </p:sld>
 </file>
 
-<file path=ppt/slides/slide5.xml><?xml version="1.0" encoding="utf-8"?>
+<file path=ppt/slides/slide6.xml><?xml version="1.0" encoding="utf-8"?>
 <p:sld xmlns:a="http://schemas.openxmlformats.org/drawingml/2006/main" xmlns:r="http://schemas.openxmlformats.org/officeDocument/2006/relationships" xmlns:p="http://schemas.openxmlformats.org/presentationml/2006/main">
   <p:cSld>
     <p:spTree>
@@ -5284,7 +5951,7 @@
 </p:sld>
 </file>
 
-<file path=ppt/slides/slide6.xml><?xml version="1.0" encoding="utf-8"?>
+<file path=ppt/slides/slide7.xml><?xml version="1.0" encoding="utf-8"?>
 <p:sld xmlns:a="http://schemas.openxmlformats.org/drawingml/2006/main" xmlns:r="http://schemas.openxmlformats.org/officeDocument/2006/relationships" xmlns:p="http://schemas.openxmlformats.org/presentationml/2006/main">
   <p:cSld>
     <p:spTree>
@@ -5385,7 +6052,7 @@
 </p:sld>
 </file>
 
-<file path=ppt/slides/slide7.xml><?xml version="1.0" encoding="utf-8"?>
+<file path=ppt/slides/slide8.xml><?xml version="1.0" encoding="utf-8"?>
 <p:sld xmlns:a="http://schemas.openxmlformats.org/drawingml/2006/main" xmlns:r="http://schemas.openxmlformats.org/officeDocument/2006/relationships" xmlns:p="http://schemas.openxmlformats.org/presentationml/2006/main">
   <p:cSld>
     <p:spTree>
@@ -5501,7 +6168,7 @@
 </p:sld>
 </file>
 
-<file path=ppt/slides/slide8.xml><?xml version="1.0" encoding="utf-8"?>
+<file path=ppt/slides/slide9.xml><?xml version="1.0" encoding="utf-8"?>
 <p:sld xmlns:a="http://schemas.openxmlformats.org/drawingml/2006/main" xmlns:r="http://schemas.openxmlformats.org/officeDocument/2006/relationships" xmlns:p="http://schemas.openxmlformats.org/presentationml/2006/main">
   <p:cSld>
     <p:spTree>
@@ -5719,94 +6386,6 @@
     <p:extLst>
       <p:ext uri="{BB962C8B-B14F-4D97-AF65-F5344CB8AC3E}">
         <p14:creationId xmlns:p14="http://schemas.microsoft.com/office/powerpoint/2010/main" val="1153276067"/>
-      </p:ext>
-    </p:extLst>
-  </p:cSld>
-  <p:clrMapOvr>
-    <a:masterClrMapping/>
-  </p:clrMapOvr>
-</p:sld>
-</file>
-
-<file path=ppt/slides/slide9.xml><?xml version="1.0" encoding="utf-8"?>
-<p:sld xmlns:a="http://schemas.openxmlformats.org/drawingml/2006/main" xmlns:r="http://schemas.openxmlformats.org/officeDocument/2006/relationships" xmlns:p="http://schemas.openxmlformats.org/presentationml/2006/main">
-  <p:cSld>
-    <p:spTree>
-      <p:nvGrpSpPr>
-        <p:cNvPr id="1" name=""/>
-        <p:cNvGrpSpPr/>
-        <p:nvPr/>
-      </p:nvGrpSpPr>
-      <p:grpSpPr>
-        <a:xfrm>
-          <a:off x="0" y="0"/>
-          <a:ext cx="0" cy="0"/>
-          <a:chOff x="0" y="0"/>
-          <a:chExt cx="0" cy="0"/>
-        </a:xfrm>
-      </p:grpSpPr>
-      <p:sp>
-        <p:nvSpPr>
-          <p:cNvPr id="2" name="Title 1">
-            <a:extLst>
-              <a:ext uri="{FF2B5EF4-FFF2-40B4-BE49-F238E27FC236}">
-                <a16:creationId xmlns:a16="http://schemas.microsoft.com/office/drawing/2014/main" id="{6C8BADF2-4C67-A4E4-3D4B-BD1CCB4D26E7}"/>
-              </a:ext>
-            </a:extLst>
-          </p:cNvPr>
-          <p:cNvSpPr>
-            <a:spLocks noGrp="1"/>
-          </p:cNvSpPr>
-          <p:nvPr>
-            <p:ph type="title"/>
-          </p:nvPr>
-        </p:nvSpPr>
-        <p:spPr/>
-        <p:txBody>
-          <a:bodyPr/>
-          <a:lstStyle/>
-          <a:p>
-            <a:r>
-              <a:rPr lang="en-US" dirty="0"/>
-              <a:t>Tester (Teams of 4)</a:t>
-            </a:r>
-          </a:p>
-        </p:txBody>
-      </p:sp>
-      <p:pic>
-        <p:nvPicPr>
-          <p:cNvPr id="4" name="Picture 3">
-            <a:extLst>
-              <a:ext uri="{FF2B5EF4-FFF2-40B4-BE49-F238E27FC236}">
-                <a16:creationId xmlns:a16="http://schemas.microsoft.com/office/drawing/2014/main" id="{00DB0AAC-61A0-DEB1-3634-BB4BF58AA700}"/>
-              </a:ext>
-            </a:extLst>
-          </p:cNvPr>
-          <p:cNvPicPr>
-            <a:picLocks noChangeAspect="1"/>
-          </p:cNvPicPr>
-          <p:nvPr/>
-        </p:nvPicPr>
-        <p:blipFill>
-          <a:blip r:embed="rId2"/>
-          <a:stretch>
-            <a:fillRect/>
-          </a:stretch>
-        </p:blipFill>
-        <p:spPr>
-          <a:xfrm>
-            <a:off x="450573" y="1543144"/>
-            <a:ext cx="11472413" cy="3734534"/>
-          </a:xfrm>
-          <a:prstGeom prst="rect">
-            <a:avLst/>
-          </a:prstGeom>
-        </p:spPr>
-      </p:pic>
-    </p:spTree>
-    <p:extLst>
-      <p:ext uri="{BB962C8B-B14F-4D97-AF65-F5344CB8AC3E}">
-        <p14:creationId xmlns:p14="http://schemas.microsoft.com/office/powerpoint/2010/main" val="1241273997"/>
       </p:ext>
     </p:extLst>
   </p:cSld>

--- a/ClassMaterials/PairProgrammingAndSourceControl/Part3-CodeReviewAndTestingGuidelines.pptx
+++ b/ClassMaterials/PairProgrammingAndSourceControl/Part3-CodeReviewAndTestingGuidelines.pptx
@@ -517,7 +517,7 @@
           <a:p>
             <a:fld id="{28F7D565-3278-47FB-82CB-054B8DCFC962}" type="datetimeFigureOut">
               <a:rPr lang="en-US" smtClean="0"/>
-              <a:t>5/5/2025</a:t>
+              <a:t>6/5/2025</a:t>
             </a:fld>
             <a:endParaRPr lang="en-US"/>
           </a:p>
@@ -784,6 +784,93 @@
 </p:notesMaster>
 </file>
 
+<file path=ppt/notesSlides/notesSlide1.xml><?xml version="1.0" encoding="utf-8"?>
+<p:notes xmlns:a="http://schemas.openxmlformats.org/drawingml/2006/main" xmlns:r="http://schemas.openxmlformats.org/officeDocument/2006/relationships" xmlns:p="http://schemas.openxmlformats.org/presentationml/2006/main">
+  <p:cSld>
+    <p:spTree>
+      <p:nvGrpSpPr>
+        <p:cNvPr id="1" name=""/>
+        <p:cNvGrpSpPr/>
+        <p:nvPr/>
+      </p:nvGrpSpPr>
+      <p:grpSpPr>
+        <a:xfrm>
+          <a:off x="0" y="0"/>
+          <a:ext cx="0" cy="0"/>
+          <a:chOff x="0" y="0"/>
+          <a:chExt cx="0" cy="0"/>
+        </a:xfrm>
+      </p:grpSpPr>
+      <p:sp>
+        <p:nvSpPr>
+          <p:cNvPr id="2" name="Slide Image Placeholder 1"/>
+          <p:cNvSpPr>
+            <a:spLocks noGrp="1" noRot="1" noChangeAspect="1"/>
+          </p:cNvSpPr>
+          <p:nvPr>
+            <p:ph type="sldImg"/>
+          </p:nvPr>
+        </p:nvSpPr>
+        <p:spPr/>
+      </p:sp>
+      <p:sp>
+        <p:nvSpPr>
+          <p:cNvPr id="3" name="Notes Placeholder 2"/>
+          <p:cNvSpPr>
+            <a:spLocks noGrp="1"/>
+          </p:cNvSpPr>
+          <p:nvPr>
+            <p:ph type="body" idx="1"/>
+          </p:nvPr>
+        </p:nvSpPr>
+        <p:spPr/>
+        <p:txBody>
+          <a:bodyPr/>
+          <a:lstStyle/>
+          <a:p>
+            <a:r>
+              <a:rPr lang="en-US" dirty="0"/>
+              <a:t>This functionality broke in Spring 2025, it might work, but hiding it in the slides for now</a:t>
+            </a:r>
+          </a:p>
+        </p:txBody>
+      </p:sp>
+      <p:sp>
+        <p:nvSpPr>
+          <p:cNvPr id="4" name="Slide Number Placeholder 3"/>
+          <p:cNvSpPr>
+            <a:spLocks noGrp="1"/>
+          </p:cNvSpPr>
+          <p:nvPr>
+            <p:ph type="sldNum" sz="quarter" idx="5"/>
+          </p:nvPr>
+        </p:nvSpPr>
+        <p:spPr/>
+        <p:txBody>
+          <a:bodyPr/>
+          <a:lstStyle/>
+          <a:p>
+            <a:fld id="{DD5AF30A-2A51-4DF1-9ECD-1F347E8432A3}" type="slidenum">
+              <a:rPr lang="en-US" smtClean="0"/>
+              <a:t>5</a:t>
+            </a:fld>
+            <a:endParaRPr lang="en-US"/>
+          </a:p>
+        </p:txBody>
+      </p:sp>
+    </p:spTree>
+    <p:extLst>
+      <p:ext uri="{BB962C8B-B14F-4D97-AF65-F5344CB8AC3E}">
+        <p14:creationId xmlns:p14="http://schemas.microsoft.com/office/powerpoint/2010/main" val="3249270726"/>
+      </p:ext>
+    </p:extLst>
+  </p:cSld>
+  <p:clrMapOvr>
+    <a:masterClrMapping/>
+  </p:clrMapOvr>
+</p:notes>
+</file>
+
 <file path=ppt/slideLayouts/slideLayout1.xml><?xml version="1.0" encoding="utf-8"?>
 <p:sldLayout xmlns:a="http://schemas.openxmlformats.org/drawingml/2006/main" xmlns:r="http://schemas.openxmlformats.org/officeDocument/2006/relationships" xmlns:p="http://schemas.openxmlformats.org/presentationml/2006/main" type="title" preserve="1">
   <p:cSld name="Title Slide">
@@ -915,7 +1002,7 @@
           <a:p>
             <a:fld id="{846CE7D5-CF57-46EF-B807-FDD0502418D4}" type="datetimeFigureOut">
               <a:rPr lang="en-US" smtClean="0"/>
-              <a:t>5/5/2025</a:t>
+              <a:t>6/5/2025</a:t>
             </a:fld>
             <a:endParaRPr lang="en-US"/>
           </a:p>
@@ -1085,7 +1172,7 @@
           <a:p>
             <a:fld id="{846CE7D5-CF57-46EF-B807-FDD0502418D4}" type="datetimeFigureOut">
               <a:rPr lang="en-US" smtClean="0"/>
-              <a:t>5/5/2025</a:t>
+              <a:t>6/5/2025</a:t>
             </a:fld>
             <a:endParaRPr lang="en-US"/>
           </a:p>
@@ -1265,7 +1352,7 @@
           <a:p>
             <a:fld id="{846CE7D5-CF57-46EF-B807-FDD0502418D4}" type="datetimeFigureOut">
               <a:rPr lang="en-US" smtClean="0"/>
-              <a:t>5/5/2025</a:t>
+              <a:t>6/5/2025</a:t>
             </a:fld>
             <a:endParaRPr lang="en-US"/>
           </a:p>
@@ -1435,7 +1522,7 @@
           <a:p>
             <a:fld id="{846CE7D5-CF57-46EF-B807-FDD0502418D4}" type="datetimeFigureOut">
               <a:rPr lang="en-US" smtClean="0"/>
-              <a:t>5/5/2025</a:t>
+              <a:t>6/5/2025</a:t>
             </a:fld>
             <a:endParaRPr lang="en-US"/>
           </a:p>
@@ -1681,7 +1768,7 @@
           <a:p>
             <a:fld id="{846CE7D5-CF57-46EF-B807-FDD0502418D4}" type="datetimeFigureOut">
               <a:rPr lang="en-US" smtClean="0"/>
-              <a:t>5/5/2025</a:t>
+              <a:t>6/5/2025</a:t>
             </a:fld>
             <a:endParaRPr lang="en-US"/>
           </a:p>
@@ -1913,7 +2000,7 @@
           <a:p>
             <a:fld id="{846CE7D5-CF57-46EF-B807-FDD0502418D4}" type="datetimeFigureOut">
               <a:rPr lang="en-US" smtClean="0"/>
-              <a:t>5/5/2025</a:t>
+              <a:t>6/5/2025</a:t>
             </a:fld>
             <a:endParaRPr lang="en-US"/>
           </a:p>
@@ -2280,7 +2367,7 @@
           <a:p>
             <a:fld id="{846CE7D5-CF57-46EF-B807-FDD0502418D4}" type="datetimeFigureOut">
               <a:rPr lang="en-US" smtClean="0"/>
-              <a:t>5/5/2025</a:t>
+              <a:t>6/5/2025</a:t>
             </a:fld>
             <a:endParaRPr lang="en-US"/>
           </a:p>
@@ -2398,7 +2485,7 @@
           <a:p>
             <a:fld id="{846CE7D5-CF57-46EF-B807-FDD0502418D4}" type="datetimeFigureOut">
               <a:rPr lang="en-US" smtClean="0"/>
-              <a:t>5/5/2025</a:t>
+              <a:t>6/5/2025</a:t>
             </a:fld>
             <a:endParaRPr lang="en-US"/>
           </a:p>
@@ -2493,7 +2580,7 @@
           <a:p>
             <a:fld id="{846CE7D5-CF57-46EF-B807-FDD0502418D4}" type="datetimeFigureOut">
               <a:rPr lang="en-US" smtClean="0"/>
-              <a:t>5/5/2025</a:t>
+              <a:t>6/5/2025</a:t>
             </a:fld>
             <a:endParaRPr lang="en-US"/>
           </a:p>
@@ -2770,7 +2857,7 @@
           <a:p>
             <a:fld id="{846CE7D5-CF57-46EF-B807-FDD0502418D4}" type="datetimeFigureOut">
               <a:rPr lang="en-US" smtClean="0"/>
-              <a:t>5/5/2025</a:t>
+              <a:t>6/5/2025</a:t>
             </a:fld>
             <a:endParaRPr lang="en-US"/>
           </a:p>
@@ -3027,7 +3114,7 @@
           <a:p>
             <a:fld id="{846CE7D5-CF57-46EF-B807-FDD0502418D4}" type="datetimeFigureOut">
               <a:rPr lang="en-US" smtClean="0"/>
-              <a:t>5/5/2025</a:t>
+              <a:t>6/5/2025</a:t>
             </a:fld>
             <a:endParaRPr lang="en-US"/>
           </a:p>
@@ -3240,7 +3327,7 @@
           <a:p>
             <a:fld id="{846CE7D5-CF57-46EF-B807-FDD0502418D4}" type="datetimeFigureOut">
               <a:rPr lang="en-US" smtClean="0"/>
-              <a:t>5/5/2025</a:t>
+              <a:t>6/5/2025</a:t>
             </a:fld>
             <a:endParaRPr lang="en-US"/>
           </a:p>
@@ -3994,18 +4081,19 @@
           <a:lstStyle/>
           <a:p>
             <a:r>
-              <a:rPr lang="en-US" dirty="0"/>
+              <a:rPr lang="en-US"/>
               <a:t>Tester (Teams of 4)</a:t>
             </a:r>
+            <a:endParaRPr lang="en-US" dirty="0"/>
           </a:p>
         </p:txBody>
       </p:sp>
       <p:pic>
         <p:nvPicPr>
-          <p:cNvPr id="4" name="Picture 3">
+          <p:cNvPr id="5" name="Picture 4">
             <a:extLst>
               <a:ext uri="{FF2B5EF4-FFF2-40B4-BE49-F238E27FC236}">
-                <a16:creationId xmlns:a16="http://schemas.microsoft.com/office/drawing/2014/main" id="{00DB0AAC-61A0-DEB1-3634-BB4BF58AA700}"/>
+                <a16:creationId xmlns:a16="http://schemas.microsoft.com/office/drawing/2014/main" id="{8C014FDF-211A-C018-8FA7-BF5879BD0B6E}"/>
               </a:ext>
             </a:extLst>
           </p:cNvPr>
@@ -4022,8 +4110,8 @@
         </p:blipFill>
         <p:spPr>
           <a:xfrm>
-            <a:off x="450573" y="1543144"/>
-            <a:ext cx="11472413" cy="3734534"/>
+            <a:off x="188525" y="1556631"/>
+            <a:ext cx="11835840" cy="3974157"/>
           </a:xfrm>
           <a:prstGeom prst="rect">
             <a:avLst/>
@@ -4319,19 +4407,19 @@
         </p:nvSpPr>
         <p:spPr>
           <a:xfrm>
-            <a:off x="695738" y="1417639"/>
-            <a:ext cx="10658061" cy="5236659"/>
+            <a:off x="695738" y="1417640"/>
+            <a:ext cx="10942887" cy="5222858"/>
           </a:xfrm>
         </p:spPr>
         <p:txBody>
           <a:bodyPr>
-            <a:normAutofit fontScale="55000" lnSpcReduction="20000"/>
+            <a:normAutofit fontScale="85000" lnSpcReduction="10000"/>
           </a:bodyPr>
           <a:lstStyle/>
           <a:p>
             <a:pPr indent="-285750" fontAlgn="base"/>
             <a:r>
-              <a:rPr lang="en-US" sz="3600" dirty="0">
+              <a:rPr lang="en-US" sz="2400" dirty="0">
                 <a:solidFill>
                   <a:srgbClr val="000000"/>
                 </a:solidFill>
@@ -4340,7 +4428,7 @@
               <a:t>You should decide which code would be most helpful to test. The tests should be useful for your project and nontrivial. Here are some </a:t>
             </a:r>
             <a:r>
-              <a:rPr lang="en-US" sz="3600" i="1" dirty="0">
+              <a:rPr lang="en-US" sz="2400" i="1" dirty="0">
                 <a:solidFill>
                   <a:srgbClr val="000000"/>
                 </a:solidFill>
@@ -4349,7 +4437,7 @@
               <a:t>suggestions</a:t>
             </a:r>
             <a:r>
-              <a:rPr lang="en-US" sz="3600" dirty="0">
+              <a:rPr lang="en-US" sz="2400" dirty="0">
                 <a:solidFill>
                   <a:srgbClr val="000000"/>
                 </a:solidFill>
@@ -4361,7 +4449,7 @@
           <a:p>
             <a:pPr lvl="1" fontAlgn="base"/>
             <a:r>
-              <a:rPr lang="en-US" sz="3600" dirty="0">
+              <a:rPr lang="en-US" dirty="0">
                 <a:solidFill>
                   <a:srgbClr val="000000"/>
                 </a:solidFill>
@@ -4370,7 +4458,7 @@
               <a:t>Milestone 1 - Make sure that a file is read in properly, correctly instantiates objects, and confirms their correct properties. (</a:t>
             </a:r>
             <a:r>
-              <a:rPr lang="en-US" sz="3600" i="1" dirty="0">
+              <a:rPr lang="en-US" i="1" dirty="0">
                 <a:solidFill>
                   <a:srgbClr val="000000"/>
                 </a:solidFill>
@@ -4379,7 +4467,7 @@
               <a:t>e.g., load level1.txt and make sure a Hero is created and positioned properly at (20,40)</a:t>
             </a:r>
             <a:r>
-              <a:rPr lang="en-US" sz="3600" dirty="0">
+              <a:rPr lang="en-US" dirty="0">
                 <a:solidFill>
                   <a:srgbClr val="000000"/>
                 </a:solidFill>
@@ -4391,7 +4479,7 @@
           <a:p>
             <a:pPr lvl="1" fontAlgn="base"/>
             <a:r>
-              <a:rPr lang="en-US" sz="3600" dirty="0">
+              <a:rPr lang="en-US" dirty="0">
                 <a:solidFill>
                   <a:srgbClr val="000000"/>
                 </a:solidFill>
@@ -4400,7 +4488,7 @@
               <a:t>Milestone 2 - Make sure that the Hero obeys Gravity and collisions with platforms (</a:t>
             </a:r>
             <a:r>
-              <a:rPr lang="en-US" sz="3600" i="1" dirty="0">
+              <a:rPr lang="en-US" i="1" dirty="0">
                 <a:solidFill>
                   <a:srgbClr val="000000"/>
                 </a:solidFill>
@@ -4409,7 +4497,7 @@
               <a:t>e.g.,</a:t>
             </a:r>
             <a:r>
-              <a:rPr lang="en-US" sz="3600" dirty="0">
+              <a:rPr lang="en-US" dirty="0">
                 <a:solidFill>
                   <a:srgbClr val="000000"/>
                 </a:solidFill>
@@ -4418,7 +4506,7 @@
               <a:t> </a:t>
             </a:r>
             <a:r>
-              <a:rPr lang="en-US" sz="3600" i="1" dirty="0">
+              <a:rPr lang="en-US" i="1" dirty="0">
                 <a:solidFill>
                   <a:srgbClr val="000000"/>
                 </a:solidFill>
@@ -4427,7 +4515,7 @@
               <a:t>create a Hero that is created at position (20,40), falls at the rate of gravity until hitting a platform below it (20, 400). Make sure the Hero’s position is correct at each step and that the Hero’s position is correct after calling the relevant collision and update code.</a:t>
             </a:r>
             <a:r>
-              <a:rPr lang="en-US" sz="3600" dirty="0">
+              <a:rPr lang="en-US" dirty="0">
                 <a:solidFill>
                   <a:srgbClr val="000000"/>
                 </a:solidFill>
@@ -4439,7 +4527,7 @@
           <a:p>
             <a:pPr lvl="1" fontAlgn="base"/>
             <a:r>
-              <a:rPr lang="en-US" sz="3600" dirty="0">
+              <a:rPr lang="en-US" dirty="0">
                 <a:solidFill>
                   <a:srgbClr val="000000"/>
                 </a:solidFill>
@@ -4448,7 +4536,7 @@
               <a:t>Milestone 3 - Verify that a collision between a Hero and an Enemy is processed correctly as desired. (</a:t>
             </a:r>
             <a:r>
-              <a:rPr lang="en-US" sz="3600" i="1" dirty="0">
+              <a:rPr lang="en-US" i="1" dirty="0">
                 <a:solidFill>
                   <a:srgbClr val="000000"/>
                 </a:solidFill>
@@ -4457,7 +4545,7 @@
               <a:t>e.g., You can create a Hero and an Enemy, and then call the relevant code to handle their collision and make appropriate updates to each object, i.e., killing the Hero or killing the Enemy and increasing the score, etc.</a:t>
             </a:r>
             <a:r>
-              <a:rPr lang="en-US" sz="3600" dirty="0">
+              <a:rPr lang="en-US" dirty="0">
                 <a:solidFill>
                   <a:srgbClr val="000000"/>
                 </a:solidFill>
@@ -4469,7 +4557,7 @@
           <a:p>
             <a:pPr lvl="1" fontAlgn="base"/>
             <a:r>
-              <a:rPr lang="en-US" sz="3600" dirty="0">
+              <a:rPr lang="en-US" dirty="0">
                 <a:solidFill>
                   <a:srgbClr val="000000"/>
                 </a:solidFill>
@@ -4485,7 +4573,7 @@
               </a:spcAft>
             </a:pPr>
             <a:r>
-              <a:rPr lang="en-US" sz="3600" dirty="0">
+              <a:rPr lang="en-US" sz="2400" dirty="0">
                 <a:solidFill>
                   <a:srgbClr val="000000"/>
                 </a:solidFill>
@@ -4494,7 +4582,7 @@
               <a:t>Although not required, one approach to software development is </a:t>
             </a:r>
             <a:r>
-              <a:rPr lang="en-US" sz="3600" b="1" u="sng" dirty="0">
+              <a:rPr lang="en-US" sz="2400" b="1" u="sng" dirty="0">
                 <a:solidFill>
                   <a:srgbClr val="000000"/>
                 </a:solidFill>
@@ -4503,7 +4591,7 @@
               <a:t>T</a:t>
             </a:r>
             <a:r>
-              <a:rPr lang="en-US" sz="3600" dirty="0">
+              <a:rPr lang="en-US" sz="2400" dirty="0">
                 <a:solidFill>
                   <a:srgbClr val="000000"/>
                 </a:solidFill>
@@ -4512,7 +4600,7 @@
               <a:t>est </a:t>
             </a:r>
             <a:r>
-              <a:rPr lang="en-US" sz="3600" b="1" u="sng" dirty="0">
+              <a:rPr lang="en-US" sz="2400" b="1" u="sng" dirty="0">
                 <a:solidFill>
                   <a:srgbClr val="000000"/>
                 </a:solidFill>
@@ -4521,7 +4609,7 @@
               <a:t>D</a:t>
             </a:r>
             <a:r>
-              <a:rPr lang="en-US" sz="3600" dirty="0">
+              <a:rPr lang="en-US" sz="2400" dirty="0">
                 <a:solidFill>
                   <a:srgbClr val="000000"/>
                 </a:solidFill>
@@ -4530,7 +4618,7 @@
               <a:t>riven </a:t>
             </a:r>
             <a:r>
-              <a:rPr lang="en-US" sz="3600" b="1" u="sng" dirty="0">
+              <a:rPr lang="en-US" sz="2400" b="1" u="sng" dirty="0">
                 <a:solidFill>
                   <a:srgbClr val="000000"/>
                 </a:solidFill>
@@ -4539,7 +4627,7 @@
               <a:t>D</a:t>
             </a:r>
             <a:r>
-              <a:rPr lang="en-US" sz="3600" dirty="0">
+              <a:rPr lang="en-US" sz="2400" dirty="0">
                 <a:solidFill>
                   <a:srgbClr val="000000"/>
                 </a:solidFill>
@@ -4548,7 +4636,7 @@
               <a:t>evelopment (</a:t>
             </a:r>
             <a:r>
-              <a:rPr lang="en-US" sz="3600" u="sng" dirty="0">
+              <a:rPr lang="en-US" sz="2400" u="sng" dirty="0">
                 <a:solidFill>
                   <a:srgbClr val="1155CC"/>
                 </a:solidFill>
@@ -4558,7 +4646,7 @@
               <a:t>TDD</a:t>
             </a:r>
             <a:r>
-              <a:rPr lang="en-US" sz="3600" dirty="0">
+              <a:rPr lang="en-US" sz="2400" dirty="0">
                 <a:solidFill>
                   <a:srgbClr val="000000"/>
                 </a:solidFill>
@@ -4570,7 +4658,7 @@
           <a:p>
             <a:pPr lvl="1" fontAlgn="base"/>
             <a:r>
-              <a:rPr lang="en-US" sz="3600" dirty="0">
+              <a:rPr lang="en-US" dirty="0">
                 <a:solidFill>
                   <a:srgbClr val="000000"/>
                 </a:solidFill>
@@ -4578,9 +4666,7 @@
               </a:rPr>
               <a:t>We encourage you to employ TDD for at least one of these unit tests, Milestone 4 might be a good one since you will need to define how things should operate for a special feature.</a:t>
             </a:r>
-          </a:p>
-          <a:p>
-            <a:endParaRPr lang="en-US" sz="3600" dirty="0"/>
+            <a:endParaRPr lang="en-US" dirty="0"/>
           </a:p>
         </p:txBody>
       </p:sp>
@@ -5061,8 +5147,8 @@
           </a:prstGeom>
         </p:spPr>
       </p:pic>
-      <mc:AlternateContent xmlns:mc="http://schemas.openxmlformats.org/markup-compatibility/2006">
-        <mc:Choice xmlns:p14="http://schemas.microsoft.com/office/powerpoint/2010/main" Requires="p14">
+      <mc:AlternateContent xmlns:mc="http://schemas.openxmlformats.org/markup-compatibility/2006" xmlns:p14="http://schemas.microsoft.com/office/powerpoint/2010/main">
+        <mc:Choice Requires="p14">
           <p:contentPart p14:bwMode="auto" r:id="rId5">
             <p14:nvContentPartPr>
               <p14:cNvPr id="8" name="Ink 7">
@@ -5081,7 +5167,7 @@
             </p14:xfrm>
           </p:contentPart>
         </mc:Choice>
-        <mc:Fallback>
+        <mc:Fallback xmlns="">
           <p:pic>
             <p:nvPicPr>
               <p:cNvPr id="8" name="Ink 7">
@@ -5335,7 +5421,7 @@
           <p:nvPr/>
         </p:nvPicPr>
         <p:blipFill rotWithShape="1">
-          <a:blip r:embed="rId2"/>
+          <a:blip r:embed="rId3"/>
           <a:srcRect l="590" t="2403" r="-1"/>
           <a:stretch/>
         </p:blipFill>
@@ -5372,7 +5458,7 @@
           <a:p>
             <a:r>
               <a:rPr lang="en-US" dirty="0">
-                <a:hlinkClick r:id="rId3"/>
+                <a:hlinkClick r:id="rId4"/>
               </a:rPr>
               <a:t>https://graphviz.gitlab.io/download/</a:t>
             </a:r>
@@ -5403,7 +5489,7 @@
           <p:nvPr/>
         </p:nvPicPr>
         <p:blipFill>
-          <a:blip r:embed="rId4"/>
+          <a:blip r:embed="rId5"/>
           <a:stretch>
             <a:fillRect/>
           </a:stretch>
@@ -5441,7 +5527,7 @@
           <a:p>
             <a:r>
               <a:rPr lang="en-US" dirty="0">
-                <a:hlinkClick r:id="rId5"/>
+                <a:hlinkClick r:id="rId6"/>
               </a:rPr>
               <a:t>https://plantuml.com/eclipse</a:t>
             </a:r>
@@ -5458,7 +5544,7 @@
           <p:nvPr/>
         </p:nvPicPr>
         <p:blipFill rotWithShape="1">
-          <a:blip r:embed="rId6"/>
+          <a:blip r:embed="rId7"/>
           <a:srcRect t="1645"/>
           <a:stretch/>
         </p:blipFill>
@@ -5719,9 +5805,9 @@
             <a:chExt cx="10077120" cy="6031440"/>
           </a:xfrm>
         </p:grpSpPr>
-        <mc:AlternateContent xmlns:mc="http://schemas.openxmlformats.org/markup-compatibility/2006">
-          <mc:Choice xmlns:p14="http://schemas.microsoft.com/office/powerpoint/2010/main" Requires="p14">
-            <p:contentPart p14:bwMode="auto" r:id="rId7">
+        <mc:AlternateContent xmlns:mc="http://schemas.openxmlformats.org/markup-compatibility/2006" xmlns:p14="http://schemas.microsoft.com/office/powerpoint/2010/main">
+          <mc:Choice Requires="p14">
+            <p:contentPart p14:bwMode="auto" r:id="rId8">
               <p14:nvContentPartPr>
                 <p14:cNvPr id="10" name="Ink 9">
                   <a:extLst>
@@ -5739,7 +5825,7 @@
               </p14:xfrm>
             </p:contentPart>
           </mc:Choice>
-          <mc:Fallback>
+          <mc:Fallback xmlns="">
             <p:pic>
               <p:nvPicPr>
                 <p:cNvPr id="10" name="Ink 9">
@@ -5753,7 +5839,7 @@
                 <p:nvPr/>
               </p:nvPicPr>
               <p:blipFill>
-                <a:blip r:embed="rId8"/>
+                <a:blip r:embed="rId9"/>
                 <a:stretch>
                   <a:fillRect/>
                 </a:stretch>
@@ -5770,9 +5856,9 @@
             </p:pic>
           </mc:Fallback>
         </mc:AlternateContent>
-        <mc:AlternateContent xmlns:mc="http://schemas.openxmlformats.org/markup-compatibility/2006">
-          <mc:Choice xmlns:p14="http://schemas.microsoft.com/office/powerpoint/2010/main" Requires="p14">
-            <p:contentPart p14:bwMode="auto" r:id="rId9">
+        <mc:AlternateContent xmlns:mc="http://schemas.openxmlformats.org/markup-compatibility/2006" xmlns:p14="http://schemas.microsoft.com/office/powerpoint/2010/main">
+          <mc:Choice Requires="p14">
+            <p:contentPart p14:bwMode="auto" r:id="rId10">
               <p14:nvContentPartPr>
                 <p14:cNvPr id="11" name="Ink 10">
                   <a:extLst>
@@ -5790,7 +5876,7 @@
               </p14:xfrm>
             </p:contentPart>
           </mc:Choice>
-          <mc:Fallback>
+          <mc:Fallback xmlns="">
             <p:pic>
               <p:nvPicPr>
                 <p:cNvPr id="11" name="Ink 10">
@@ -5804,7 +5890,7 @@
                 <p:nvPr/>
               </p:nvPicPr>
               <p:blipFill>
-                <a:blip r:embed="rId10"/>
+                <a:blip r:embed="rId11"/>
                 <a:stretch>
                   <a:fillRect/>
                 </a:stretch>
